--- a/Slides - SPSS to R.pptx
+++ b/Slides - SPSS to R.pptx
@@ -5,7 +5,7 @@
     <p:sldMasterId id="2147483648" r:id="rId1"/>
   </p:sldMasterIdLst>
   <p:notesMasterIdLst>
-    <p:notesMasterId r:id="rId50"/>
+    <p:notesMasterId r:id="rId54"/>
   </p:notesMasterIdLst>
   <p:sldIdLst>
     <p:sldId id="256" r:id="rId2"/>
@@ -56,6 +56,10 @@
     <p:sldId id="278" r:id="rId47"/>
     <p:sldId id="285" r:id="rId48"/>
     <p:sldId id="286" r:id="rId49"/>
+    <p:sldId id="308" r:id="rId50"/>
+    <p:sldId id="307" r:id="rId51"/>
+    <p:sldId id="309" r:id="rId52"/>
+    <p:sldId id="310" r:id="rId53"/>
   </p:sldIdLst>
   <p:sldSz cx="12192000" cy="6858000"/>
   <p:notesSz cx="6858000" cy="9144000"/>
@@ -160,7 +164,7 @@
 <file path=ppt/revisionInfo.xml><?xml version="1.0" encoding="utf-8"?>
 <p1510:revInfo xmlns:a="http://schemas.openxmlformats.org/drawingml/2006/main" xmlns:r="http://schemas.openxmlformats.org/officeDocument/2006/relationships" xmlns:p1510="http://schemas.microsoft.com/office/powerpoint/2015/10/main">
   <p1510:revLst>
-    <p1510:client id="{5FB75758-3DA1-9E41-A9EF-B3D833044F5F}" v="8" dt="2023-03-28T19:40:19.371"/>
+    <p1510:client id="{5FB75758-3DA1-9E41-A9EF-B3D833044F5F}" v="12" dt="2023-03-28T20:25:16.780"/>
   </p1510:revLst>
 </p1510:revInfo>
 </file>
@@ -169,8 +173,8 @@
 <pc:chgInfo xmlns:a="http://schemas.openxmlformats.org/drawingml/2006/main" xmlns:r="http://schemas.openxmlformats.org/officeDocument/2006/relationships" xmlns:ac="http://schemas.microsoft.com/office/drawing/2013/main/command" xmlns:pc="http://schemas.microsoft.com/office/powerpoint/2013/main/command">
   <pc:docChgLst>
     <pc:chgData name="Francisco De Assis Pimentel, Ruam Pedro" userId="472137c4-e9ff-4ab3-8ebd-6022b9b78a67" providerId="ADAL" clId="{5FB75758-3DA1-9E41-A9EF-B3D833044F5F}"/>
-    <pc:docChg chg="undo redo custSel modSld">
-      <pc:chgData name="Francisco De Assis Pimentel, Ruam Pedro" userId="472137c4-e9ff-4ab3-8ebd-6022b9b78a67" providerId="ADAL" clId="{5FB75758-3DA1-9E41-A9EF-B3D833044F5F}" dt="2023-03-28T20:04:36.543" v="112" actId="20577"/>
+    <pc:docChg chg="undo redo custSel addSld modSld">
+      <pc:chgData name="Francisco De Assis Pimentel, Ruam Pedro" userId="472137c4-e9ff-4ab3-8ebd-6022b9b78a67" providerId="ADAL" clId="{5FB75758-3DA1-9E41-A9EF-B3D833044F5F}" dt="2023-03-28T20:25:22.245" v="223" actId="1076"/>
       <pc:docMkLst>
         <pc:docMk/>
       </pc:docMkLst>
@@ -439,6 +443,154 @@
             <ac:spMk id="3" creationId="{3E49FB99-E71A-D232-69A8-80C1193B3A11}"/>
           </ac:spMkLst>
         </pc:spChg>
+      </pc:sldChg>
+      <pc:sldChg chg="addSp delSp modSp new mod">
+        <pc:chgData name="Francisco De Assis Pimentel, Ruam Pedro" userId="472137c4-e9ff-4ab3-8ebd-6022b9b78a67" providerId="ADAL" clId="{5FB75758-3DA1-9E41-A9EF-B3D833044F5F}" dt="2023-03-28T20:21:48.921" v="170" actId="14100"/>
+        <pc:sldMkLst>
+          <pc:docMk/>
+          <pc:sldMk cId="1284725847" sldId="307"/>
+        </pc:sldMkLst>
+        <pc:spChg chg="mod">
+          <ac:chgData name="Francisco De Assis Pimentel, Ruam Pedro" userId="472137c4-e9ff-4ab3-8ebd-6022b9b78a67" providerId="ADAL" clId="{5FB75758-3DA1-9E41-A9EF-B3D833044F5F}" dt="2023-03-28T20:20:40.428" v="121" actId="20577"/>
+          <ac:spMkLst>
+            <pc:docMk/>
+            <pc:sldMk cId="1284725847" sldId="307"/>
+            <ac:spMk id="2" creationId="{8F5E4589-4676-CDEC-EBDE-2D35F1D81F03}"/>
+          </ac:spMkLst>
+        </pc:spChg>
+        <pc:spChg chg="del">
+          <ac:chgData name="Francisco De Assis Pimentel, Ruam Pedro" userId="472137c4-e9ff-4ab3-8ebd-6022b9b78a67" providerId="ADAL" clId="{5FB75758-3DA1-9E41-A9EF-B3D833044F5F}" dt="2023-03-28T20:21:33.196" v="158" actId="478"/>
+          <ac:spMkLst>
+            <pc:docMk/>
+            <pc:sldMk cId="1284725847" sldId="307"/>
+            <ac:spMk id="3" creationId="{622F18FB-B7A6-D716-F780-5FA208824DA8}"/>
+          </ac:spMkLst>
+        </pc:spChg>
+        <pc:spChg chg="add del">
+          <ac:chgData name="Francisco De Assis Pimentel, Ruam Pedro" userId="472137c4-e9ff-4ab3-8ebd-6022b9b78a67" providerId="ADAL" clId="{5FB75758-3DA1-9E41-A9EF-B3D833044F5F}" dt="2023-03-28T20:21:28.716" v="155" actId="478"/>
+          <ac:spMkLst>
+            <pc:docMk/>
+            <pc:sldMk cId="1284725847" sldId="307"/>
+            <ac:spMk id="5" creationId="{8081538D-6FC4-A4B7-2CE8-5B9CB57DC782}"/>
+          </ac:spMkLst>
+        </pc:spChg>
+        <pc:spChg chg="add mod">
+          <ac:chgData name="Francisco De Assis Pimentel, Ruam Pedro" userId="472137c4-e9ff-4ab3-8ebd-6022b9b78a67" providerId="ADAL" clId="{5FB75758-3DA1-9E41-A9EF-B3D833044F5F}" dt="2023-03-28T20:21:48.921" v="170" actId="14100"/>
+          <ac:spMkLst>
+            <pc:docMk/>
+            <pc:sldMk cId="1284725847" sldId="307"/>
+            <ac:spMk id="9" creationId="{EF3A764F-ACD7-5A22-357C-F6C1BEBADA63}"/>
+          </ac:spMkLst>
+        </pc:spChg>
+        <pc:picChg chg="add del mod">
+          <ac:chgData name="Francisco De Assis Pimentel, Ruam Pedro" userId="472137c4-e9ff-4ab3-8ebd-6022b9b78a67" providerId="ADAL" clId="{5FB75758-3DA1-9E41-A9EF-B3D833044F5F}" dt="2023-03-28T20:21:27.177" v="154" actId="478"/>
+          <ac:picMkLst>
+            <pc:docMk/>
+            <pc:sldMk cId="1284725847" sldId="307"/>
+            <ac:picMk id="6" creationId="{71C71B15-6711-5C0C-4365-980CFC4B4EA6}"/>
+          </ac:picMkLst>
+        </pc:picChg>
+        <pc:picChg chg="add mod">
+          <ac:chgData name="Francisco De Assis Pimentel, Ruam Pedro" userId="472137c4-e9ff-4ab3-8ebd-6022b9b78a67" providerId="ADAL" clId="{5FB75758-3DA1-9E41-A9EF-B3D833044F5F}" dt="2023-03-28T20:21:32.088" v="157" actId="1076"/>
+          <ac:picMkLst>
+            <pc:docMk/>
+            <pc:sldMk cId="1284725847" sldId="307"/>
+            <ac:picMk id="7" creationId="{3511BD0A-7D47-F631-AE54-CBE00C32DA06}"/>
+          </ac:picMkLst>
+        </pc:picChg>
+      </pc:sldChg>
+      <pc:sldChg chg="addSp delSp modSp new mod modClrScheme chgLayout">
+        <pc:chgData name="Francisco De Assis Pimentel, Ruam Pedro" userId="472137c4-e9ff-4ab3-8ebd-6022b9b78a67" providerId="ADAL" clId="{5FB75758-3DA1-9E41-A9EF-B3D833044F5F}" dt="2023-03-28T20:20:53.802" v="151" actId="20577"/>
+        <pc:sldMkLst>
+          <pc:docMk/>
+          <pc:sldMk cId="3915530808" sldId="308"/>
+        </pc:sldMkLst>
+        <pc:spChg chg="del mod ord">
+          <ac:chgData name="Francisco De Assis Pimentel, Ruam Pedro" userId="472137c4-e9ff-4ab3-8ebd-6022b9b78a67" providerId="ADAL" clId="{5FB75758-3DA1-9E41-A9EF-B3D833044F5F}" dt="2023-03-28T20:20:46.212" v="123" actId="700"/>
+          <ac:spMkLst>
+            <pc:docMk/>
+            <pc:sldMk cId="3915530808" sldId="308"/>
+            <ac:spMk id="2" creationId="{B3F42483-D0E4-A888-8689-FF8C3D36FBFB}"/>
+          </ac:spMkLst>
+        </pc:spChg>
+        <pc:spChg chg="del mod ord">
+          <ac:chgData name="Francisco De Assis Pimentel, Ruam Pedro" userId="472137c4-e9ff-4ab3-8ebd-6022b9b78a67" providerId="ADAL" clId="{5FB75758-3DA1-9E41-A9EF-B3D833044F5F}" dt="2023-03-28T20:20:46.212" v="123" actId="700"/>
+          <ac:spMkLst>
+            <pc:docMk/>
+            <pc:sldMk cId="3915530808" sldId="308"/>
+            <ac:spMk id="3" creationId="{8998EEC9-6B4F-4239-2E5C-B54FA19BB2CB}"/>
+          </ac:spMkLst>
+        </pc:spChg>
+        <pc:spChg chg="add mod ord">
+          <ac:chgData name="Francisco De Assis Pimentel, Ruam Pedro" userId="472137c4-e9ff-4ab3-8ebd-6022b9b78a67" providerId="ADAL" clId="{5FB75758-3DA1-9E41-A9EF-B3D833044F5F}" dt="2023-03-28T20:20:49.537" v="132" actId="20577"/>
+          <ac:spMkLst>
+            <pc:docMk/>
+            <pc:sldMk cId="3915530808" sldId="308"/>
+            <ac:spMk id="4" creationId="{9004E8B1-871C-B966-8F4A-3C576D8889B9}"/>
+          </ac:spMkLst>
+        </pc:spChg>
+        <pc:spChg chg="add mod ord">
+          <ac:chgData name="Francisco De Assis Pimentel, Ruam Pedro" userId="472137c4-e9ff-4ab3-8ebd-6022b9b78a67" providerId="ADAL" clId="{5FB75758-3DA1-9E41-A9EF-B3D833044F5F}" dt="2023-03-28T20:20:53.802" v="151" actId="20577"/>
+          <ac:spMkLst>
+            <pc:docMk/>
+            <pc:sldMk cId="3915530808" sldId="308"/>
+            <ac:spMk id="5" creationId="{B160A51C-7111-8220-A8FC-D9881FE01033}"/>
+          </ac:spMkLst>
+        </pc:spChg>
+      </pc:sldChg>
+      <pc:sldChg chg="addSp modSp new mod">
+        <pc:chgData name="Francisco De Assis Pimentel, Ruam Pedro" userId="472137c4-e9ff-4ab3-8ebd-6022b9b78a67" providerId="ADAL" clId="{5FB75758-3DA1-9E41-A9EF-B3D833044F5F}" dt="2023-03-28T20:24:16.117" v="219" actId="20577"/>
+        <pc:sldMkLst>
+          <pc:docMk/>
+          <pc:sldMk cId="1330319643" sldId="309"/>
+        </pc:sldMkLst>
+        <pc:spChg chg="mod">
+          <ac:chgData name="Francisco De Assis Pimentel, Ruam Pedro" userId="472137c4-e9ff-4ab3-8ebd-6022b9b78a67" providerId="ADAL" clId="{5FB75758-3DA1-9E41-A9EF-B3D833044F5F}" dt="2023-03-28T20:24:16.117" v="219" actId="20577"/>
+          <ac:spMkLst>
+            <pc:docMk/>
+            <pc:sldMk cId="1330319643" sldId="309"/>
+            <ac:spMk id="2" creationId="{9334A0A5-EFB9-7049-12FC-37861AF652F7}"/>
+          </ac:spMkLst>
+        </pc:spChg>
+        <pc:spChg chg="mod">
+          <ac:chgData name="Francisco De Assis Pimentel, Ruam Pedro" userId="472137c4-e9ff-4ab3-8ebd-6022b9b78a67" providerId="ADAL" clId="{5FB75758-3DA1-9E41-A9EF-B3D833044F5F}" dt="2023-03-28T20:23:39.092" v="175" actId="20577"/>
+          <ac:spMkLst>
+            <pc:docMk/>
+            <pc:sldMk cId="1330319643" sldId="309"/>
+            <ac:spMk id="3" creationId="{3A5B2074-640A-56DA-89C8-92BE777A49F4}"/>
+          </ac:spMkLst>
+        </pc:spChg>
+        <pc:spChg chg="add mod">
+          <ac:chgData name="Francisco De Assis Pimentel, Ruam Pedro" userId="472137c4-e9ff-4ab3-8ebd-6022b9b78a67" providerId="ADAL" clId="{5FB75758-3DA1-9E41-A9EF-B3D833044F5F}" dt="2023-03-28T20:23:50.908" v="187" actId="207"/>
+          <ac:spMkLst>
+            <pc:docMk/>
+            <pc:sldMk cId="1330319643" sldId="309"/>
+            <ac:spMk id="5" creationId="{4776D3FF-0BD2-E04F-7868-4A8A92325F68}"/>
+          </ac:spMkLst>
+        </pc:spChg>
+      </pc:sldChg>
+      <pc:sldChg chg="addSp modSp new mod">
+        <pc:chgData name="Francisco De Assis Pimentel, Ruam Pedro" userId="472137c4-e9ff-4ab3-8ebd-6022b9b78a67" providerId="ADAL" clId="{5FB75758-3DA1-9E41-A9EF-B3D833044F5F}" dt="2023-03-28T20:25:22.245" v="223" actId="1076"/>
+        <pc:sldMkLst>
+          <pc:docMk/>
+          <pc:sldMk cId="2729179486" sldId="310"/>
+        </pc:sldMkLst>
+        <pc:spChg chg="add mod">
+          <ac:chgData name="Francisco De Assis Pimentel, Ruam Pedro" userId="472137c4-e9ff-4ab3-8ebd-6022b9b78a67" providerId="ADAL" clId="{5FB75758-3DA1-9E41-A9EF-B3D833044F5F}" dt="2023-03-28T20:25:22.245" v="223" actId="1076"/>
+          <ac:spMkLst>
+            <pc:docMk/>
+            <pc:sldMk cId="2729179486" sldId="310"/>
+            <ac:spMk id="5" creationId="{7D5BA7CC-8721-41C7-31FC-E93B0208CC34}"/>
+          </ac:spMkLst>
+        </pc:spChg>
+        <pc:picChg chg="add mod">
+          <ac:chgData name="Francisco De Assis Pimentel, Ruam Pedro" userId="472137c4-e9ff-4ab3-8ebd-6022b9b78a67" providerId="ADAL" clId="{5FB75758-3DA1-9E41-A9EF-B3D833044F5F}" dt="2023-03-28T20:25:05.345" v="221"/>
+          <ac:picMkLst>
+            <pc:docMk/>
+            <pc:sldMk cId="2729179486" sldId="310"/>
+            <ac:picMk id="4" creationId="{A9B46DFB-1E6A-A04A-A246-13932208E8AB}"/>
+          </ac:picMkLst>
+        </pc:picChg>
       </pc:sldChg>
     </pc:docChg>
   </pc:docChgLst>
@@ -19565,13 +19717,8 @@
             </a:r>
             <a:r>
               <a:rPr lang="en-US" dirty="0"/>
-              <a:t> – if better for you</a:t>
-            </a:r>
-            <a:r>
-              <a:rPr lang="en-US"/>
-              <a:t>, print them!</a:t>
-            </a:r>
-            <a:endParaRPr lang="en-US" dirty="0"/>
+              <a:t> – if better for you, print them!</a:t>
+            </a:r>
           </a:p>
           <a:p>
             <a:pPr marL="0" indent="0">
@@ -22560,6 +22707,92 @@
 </p:sld>
 </file>
 
+<file path=ppt/slides/slide49.xml><?xml version="1.0" encoding="utf-8"?>
+<p:sld xmlns:a="http://schemas.openxmlformats.org/drawingml/2006/main" xmlns:r="http://schemas.openxmlformats.org/officeDocument/2006/relationships" xmlns:p="http://schemas.openxmlformats.org/presentationml/2006/main">
+  <p:cSld>
+    <p:spTree>
+      <p:nvGrpSpPr>
+        <p:cNvPr id="1" name=""/>
+        <p:cNvGrpSpPr/>
+        <p:nvPr/>
+      </p:nvGrpSpPr>
+      <p:grpSpPr>
+        <a:xfrm>
+          <a:off x="0" y="0"/>
+          <a:ext cx="0" cy="0"/>
+          <a:chOff x="0" y="0"/>
+          <a:chExt cx="0" cy="0"/>
+        </a:xfrm>
+      </p:grpSpPr>
+      <p:sp>
+        <p:nvSpPr>
+          <p:cNvPr id="4" name="Title 3">
+            <a:extLst>
+              <a:ext uri="{FF2B5EF4-FFF2-40B4-BE49-F238E27FC236}">
+                <a16:creationId xmlns:a16="http://schemas.microsoft.com/office/drawing/2014/main" id="{9004E8B1-871C-B966-8F4A-3C576D8889B9}"/>
+              </a:ext>
+            </a:extLst>
+          </p:cNvPr>
+          <p:cNvSpPr>
+            <a:spLocks noGrp="1"/>
+          </p:cNvSpPr>
+          <p:nvPr>
+            <p:ph type="title"/>
+          </p:nvPr>
+        </p:nvSpPr>
+        <p:spPr/>
+        <p:txBody>
+          <a:bodyPr/>
+          <a:lstStyle/>
+          <a:p>
+            <a:r>
+              <a:rPr lang="en-US" dirty="0"/>
+              <a:t>ggplot2</a:t>
+            </a:r>
+          </a:p>
+        </p:txBody>
+      </p:sp>
+      <p:sp>
+        <p:nvSpPr>
+          <p:cNvPr id="5" name="Text Placeholder 4">
+            <a:extLst>
+              <a:ext uri="{FF2B5EF4-FFF2-40B4-BE49-F238E27FC236}">
+                <a16:creationId xmlns:a16="http://schemas.microsoft.com/office/drawing/2014/main" id="{B160A51C-7111-8220-A8FC-D9881FE01033}"/>
+              </a:ext>
+            </a:extLst>
+          </p:cNvPr>
+          <p:cNvSpPr>
+            <a:spLocks noGrp="1"/>
+          </p:cNvSpPr>
+          <p:nvPr>
+            <p:ph type="body" idx="1"/>
+          </p:nvPr>
+        </p:nvSpPr>
+        <p:spPr/>
+        <p:txBody>
+          <a:bodyPr/>
+          <a:lstStyle/>
+          <a:p>
+            <a:r>
+              <a:rPr lang="en-US" dirty="0"/>
+              <a:t>Grammar of Graphs</a:t>
+            </a:r>
+          </a:p>
+        </p:txBody>
+      </p:sp>
+    </p:spTree>
+    <p:extLst>
+      <p:ext uri="{BB962C8B-B14F-4D97-AF65-F5344CB8AC3E}">
+        <p14:creationId xmlns:p14="http://schemas.microsoft.com/office/powerpoint/2010/main" val="3915530808"/>
+      </p:ext>
+    </p:extLst>
+  </p:cSld>
+  <p:clrMapOvr>
+    <a:masterClrMapping/>
+  </p:clrMapOvr>
+</p:sld>
+</file>
+
 <file path=ppt/slides/slide5.xml><?xml version="1.0" encoding="utf-8"?>
 <p:sld xmlns:a="http://schemas.openxmlformats.org/drawingml/2006/main" xmlns:r="http://schemas.openxmlformats.org/officeDocument/2006/relationships" xmlns:p="http://schemas.openxmlformats.org/presentationml/2006/main">
   <p:cSld>
@@ -22634,6 +22867,804 @@
     <p:extLst>
       <p:ext uri="{BB962C8B-B14F-4D97-AF65-F5344CB8AC3E}">
         <p14:creationId xmlns:p14="http://schemas.microsoft.com/office/powerpoint/2010/main" val="2583136044"/>
+      </p:ext>
+    </p:extLst>
+  </p:cSld>
+  <p:clrMapOvr>
+    <a:masterClrMapping/>
+  </p:clrMapOvr>
+</p:sld>
+</file>
+
+<file path=ppt/slides/slide50.xml><?xml version="1.0" encoding="utf-8"?>
+<p:sld xmlns:a="http://schemas.openxmlformats.org/drawingml/2006/main" xmlns:r="http://schemas.openxmlformats.org/officeDocument/2006/relationships" xmlns:p="http://schemas.openxmlformats.org/presentationml/2006/main">
+  <p:cSld>
+    <p:spTree>
+      <p:nvGrpSpPr>
+        <p:cNvPr id="1" name=""/>
+        <p:cNvGrpSpPr/>
+        <p:nvPr/>
+      </p:nvGrpSpPr>
+      <p:grpSpPr>
+        <a:xfrm>
+          <a:off x="0" y="0"/>
+          <a:ext cx="0" cy="0"/>
+          <a:chOff x="0" y="0"/>
+          <a:chExt cx="0" cy="0"/>
+        </a:xfrm>
+      </p:grpSpPr>
+      <p:sp>
+        <p:nvSpPr>
+          <p:cNvPr id="2" name="Title 1">
+            <a:extLst>
+              <a:ext uri="{FF2B5EF4-FFF2-40B4-BE49-F238E27FC236}">
+                <a16:creationId xmlns:a16="http://schemas.microsoft.com/office/drawing/2014/main" id="{8F5E4589-4676-CDEC-EBDE-2D35F1D81F03}"/>
+              </a:ext>
+            </a:extLst>
+          </p:cNvPr>
+          <p:cNvSpPr>
+            <a:spLocks noGrp="1"/>
+          </p:cNvSpPr>
+          <p:nvPr>
+            <p:ph type="title"/>
+          </p:nvPr>
+        </p:nvSpPr>
+        <p:spPr/>
+        <p:txBody>
+          <a:bodyPr/>
+          <a:lstStyle/>
+          <a:p>
+            <a:r>
+              <a:rPr lang="en-US" dirty="0"/>
+              <a:t>Plotting</a:t>
+            </a:r>
+          </a:p>
+        </p:txBody>
+      </p:sp>
+      <p:pic>
+        <p:nvPicPr>
+          <p:cNvPr id="7" name="Picture 6">
+            <a:extLst>
+              <a:ext uri="{FF2B5EF4-FFF2-40B4-BE49-F238E27FC236}">
+                <a16:creationId xmlns:a16="http://schemas.microsoft.com/office/drawing/2014/main" id="{3511BD0A-7D47-F631-AE54-CBE00C32DA06}"/>
+              </a:ext>
+            </a:extLst>
+          </p:cNvPr>
+          <p:cNvPicPr>
+            <a:picLocks noChangeAspect="1"/>
+          </p:cNvPicPr>
+          <p:nvPr/>
+        </p:nvPicPr>
+        <p:blipFill>
+          <a:blip r:embed="rId2"/>
+          <a:stretch>
+            <a:fillRect/>
+          </a:stretch>
+        </p:blipFill>
+        <p:spPr>
+          <a:xfrm>
+            <a:off x="1974273" y="1972185"/>
+            <a:ext cx="7772400" cy="3218430"/>
+          </a:xfrm>
+          <a:prstGeom prst="rect">
+            <a:avLst/>
+          </a:prstGeom>
+        </p:spPr>
+      </p:pic>
+      <p:sp>
+        <p:nvSpPr>
+          <p:cNvPr id="9" name="TextBox 8">
+            <a:extLst>
+              <a:ext uri="{FF2B5EF4-FFF2-40B4-BE49-F238E27FC236}">
+                <a16:creationId xmlns:a16="http://schemas.microsoft.com/office/drawing/2014/main" id="{EF3A764F-ACD7-5A22-357C-F6C1BEBADA63}"/>
+              </a:ext>
+            </a:extLst>
+          </p:cNvPr>
+          <p:cNvSpPr txBox="1"/>
+          <p:nvPr/>
+        </p:nvSpPr>
+        <p:spPr>
+          <a:xfrm>
+            <a:off x="595744" y="5846544"/>
+            <a:ext cx="8950037" cy="369332"/>
+          </a:xfrm>
+          <a:prstGeom prst="rect">
+            <a:avLst/>
+          </a:prstGeom>
+          <a:noFill/>
+        </p:spPr>
+        <p:txBody>
+          <a:bodyPr wrap="square">
+            <a:spAutoFit/>
+          </a:bodyPr>
+          <a:lstStyle/>
+          <a:p>
+            <a:r>
+              <a:rPr lang="en-US" dirty="0">
+                <a:solidFill>
+                  <a:schemeClr val="tx1">
+                    <a:lumMod val="50000"/>
+                    <a:lumOff val="50000"/>
+                  </a:schemeClr>
+                </a:solidFill>
+              </a:rPr>
+              <a:t>Source: https://</a:t>
+            </a:r>
+            <a:r>
+              <a:rPr lang="en-US" dirty="0" err="1">
+                <a:solidFill>
+                  <a:schemeClr val="tx1">
+                    <a:lumMod val="50000"/>
+                    <a:lumOff val="50000"/>
+                  </a:schemeClr>
+                </a:solidFill>
+              </a:rPr>
+              <a:t>towardsdatascience.com</a:t>
+            </a:r>
+            <a:r>
+              <a:rPr lang="en-US" dirty="0">
+                <a:solidFill>
+                  <a:schemeClr val="tx1">
+                    <a:lumMod val="50000"/>
+                    <a:lumOff val="50000"/>
+                  </a:schemeClr>
+                </a:solidFill>
+              </a:rPr>
+              <a:t>/a-quick-introduction-to-ggplot2-d406f83bb9c9</a:t>
+            </a:r>
+          </a:p>
+        </p:txBody>
+      </p:sp>
+    </p:spTree>
+    <p:extLst>
+      <p:ext uri="{BB962C8B-B14F-4D97-AF65-F5344CB8AC3E}">
+        <p14:creationId xmlns:p14="http://schemas.microsoft.com/office/powerpoint/2010/main" val="1284725847"/>
+      </p:ext>
+    </p:extLst>
+  </p:cSld>
+  <p:clrMapOvr>
+    <a:masterClrMapping/>
+  </p:clrMapOvr>
+</p:sld>
+</file>
+
+<file path=ppt/slides/slide51.xml><?xml version="1.0" encoding="utf-8"?>
+<p:sld xmlns:a="http://schemas.openxmlformats.org/drawingml/2006/main" xmlns:r="http://schemas.openxmlformats.org/officeDocument/2006/relationships" xmlns:p="http://schemas.openxmlformats.org/presentationml/2006/main">
+  <p:cSld>
+    <p:spTree>
+      <p:nvGrpSpPr>
+        <p:cNvPr id="1" name=""/>
+        <p:cNvGrpSpPr/>
+        <p:nvPr/>
+      </p:nvGrpSpPr>
+      <p:grpSpPr>
+        <a:xfrm>
+          <a:off x="0" y="0"/>
+          <a:ext cx="0" cy="0"/>
+          <a:chOff x="0" y="0"/>
+          <a:chExt cx="0" cy="0"/>
+        </a:xfrm>
+      </p:grpSpPr>
+      <p:sp>
+        <p:nvSpPr>
+          <p:cNvPr id="2" name="Title 1">
+            <a:extLst>
+              <a:ext uri="{FF2B5EF4-FFF2-40B4-BE49-F238E27FC236}">
+                <a16:creationId xmlns:a16="http://schemas.microsoft.com/office/drawing/2014/main" id="{9334A0A5-EFB9-7049-12FC-37861AF652F7}"/>
+              </a:ext>
+            </a:extLst>
+          </p:cNvPr>
+          <p:cNvSpPr>
+            <a:spLocks noGrp="1"/>
+          </p:cNvSpPr>
+          <p:nvPr>
+            <p:ph type="title"/>
+          </p:nvPr>
+        </p:nvSpPr>
+        <p:spPr/>
+        <p:txBody>
+          <a:bodyPr/>
+          <a:lstStyle/>
+          <a:p>
+            <a:r>
+              <a:rPr lang="en-US" dirty="0"/>
+              <a:t>Grammar of the Graph</a:t>
+            </a:r>
+          </a:p>
+        </p:txBody>
+      </p:sp>
+      <p:sp>
+        <p:nvSpPr>
+          <p:cNvPr id="3" name="Content Placeholder 2">
+            <a:extLst>
+              <a:ext uri="{FF2B5EF4-FFF2-40B4-BE49-F238E27FC236}">
+                <a16:creationId xmlns:a16="http://schemas.microsoft.com/office/drawing/2014/main" id="{3A5B2074-640A-56DA-89C8-92BE777A49F4}"/>
+              </a:ext>
+            </a:extLst>
+          </p:cNvPr>
+          <p:cNvSpPr>
+            <a:spLocks noGrp="1"/>
+          </p:cNvSpPr>
+          <p:nvPr>
+            <p:ph idx="1"/>
+          </p:nvPr>
+        </p:nvSpPr>
+        <p:spPr/>
+        <p:txBody>
+          <a:bodyPr>
+            <a:normAutofit fontScale="92500" lnSpcReduction="20000"/>
+          </a:bodyPr>
+          <a:lstStyle/>
+          <a:p>
+            <a:pPr algn="l">
+              <a:buFont typeface="Arial" panose="020B0604020202020204" pitchFamily="34" charset="0"/>
+              <a:buChar char="•"/>
+            </a:pPr>
+            <a:r>
+              <a:rPr lang="en-US" b="0" i="0" dirty="0">
+                <a:solidFill>
+                  <a:srgbClr val="515151"/>
+                </a:solidFill>
+                <a:effectLst/>
+                <a:latin typeface="PT Serif" panose="020A0603040505020204" pitchFamily="18" charset="77"/>
+              </a:rPr>
+              <a:t>the </a:t>
+            </a:r>
+            <a:r>
+              <a:rPr lang="en-US" b="1" i="0" dirty="0">
+                <a:solidFill>
+                  <a:srgbClr val="303030"/>
+                </a:solidFill>
+                <a:effectLst/>
+                <a:latin typeface="PT Serif" panose="020A0603040505020204" pitchFamily="18" charset="77"/>
+              </a:rPr>
+              <a:t>data</a:t>
+            </a:r>
+            <a:r>
+              <a:rPr lang="en-US" b="0" i="0" dirty="0">
+                <a:solidFill>
+                  <a:srgbClr val="515151"/>
+                </a:solidFill>
+                <a:effectLst/>
+                <a:latin typeface="PT Serif" panose="020A0603040505020204" pitchFamily="18" charset="77"/>
+              </a:rPr>
+              <a:t> being plotted</a:t>
+            </a:r>
+          </a:p>
+          <a:p>
+            <a:pPr algn="l">
+              <a:buFont typeface="Arial" panose="020B0604020202020204" pitchFamily="34" charset="0"/>
+              <a:buChar char="•"/>
+            </a:pPr>
+            <a:r>
+              <a:rPr lang="en-US" b="0" i="0" dirty="0">
+                <a:solidFill>
+                  <a:srgbClr val="515151"/>
+                </a:solidFill>
+                <a:effectLst/>
+                <a:latin typeface="PT Serif" panose="020A0603040505020204" pitchFamily="18" charset="77"/>
+              </a:rPr>
+              <a:t>the </a:t>
+            </a:r>
+            <a:r>
+              <a:rPr lang="en-US" b="1" i="0" dirty="0">
+                <a:solidFill>
+                  <a:srgbClr val="303030"/>
+                </a:solidFill>
+                <a:effectLst/>
+                <a:latin typeface="PT Serif" panose="020A0603040505020204" pitchFamily="18" charset="77"/>
+              </a:rPr>
+              <a:t>geometric objects</a:t>
+            </a:r>
+            <a:r>
+              <a:rPr lang="en-US" b="0" i="0" dirty="0">
+                <a:solidFill>
+                  <a:srgbClr val="515151"/>
+                </a:solidFill>
+                <a:effectLst/>
+                <a:latin typeface="PT Serif" panose="020A0603040505020204" pitchFamily="18" charset="77"/>
+              </a:rPr>
+              <a:t> (circles, lines, etc.) that appear on the plot</a:t>
+            </a:r>
+          </a:p>
+          <a:p>
+            <a:pPr algn="l">
+              <a:buFont typeface="Arial" panose="020B0604020202020204" pitchFamily="34" charset="0"/>
+              <a:buChar char="•"/>
+            </a:pPr>
+            <a:r>
+              <a:rPr lang="en-US" b="0" i="0" dirty="0">
+                <a:solidFill>
+                  <a:srgbClr val="515151"/>
+                </a:solidFill>
+                <a:effectLst/>
+                <a:latin typeface="PT Serif" panose="020A0603040505020204" pitchFamily="18" charset="77"/>
+              </a:rPr>
+              <a:t>a set of mappings from variables in the data to the </a:t>
+            </a:r>
+            <a:r>
+              <a:rPr lang="en-US" b="1" i="0" dirty="0">
+                <a:solidFill>
+                  <a:srgbClr val="303030"/>
+                </a:solidFill>
+                <a:effectLst/>
+                <a:latin typeface="PT Serif" panose="020A0603040505020204" pitchFamily="18" charset="77"/>
+              </a:rPr>
+              <a:t>aesthetics</a:t>
+            </a:r>
+            <a:r>
+              <a:rPr lang="en-US" b="0" i="0" dirty="0">
+                <a:solidFill>
+                  <a:srgbClr val="515151"/>
+                </a:solidFill>
+                <a:effectLst/>
+                <a:latin typeface="PT Serif" panose="020A0603040505020204" pitchFamily="18" charset="77"/>
+              </a:rPr>
+              <a:t> (appearance) of the geometric objects</a:t>
+            </a:r>
+          </a:p>
+          <a:p>
+            <a:pPr algn="l">
+              <a:buFont typeface="Arial" panose="020B0604020202020204" pitchFamily="34" charset="0"/>
+              <a:buChar char="•"/>
+            </a:pPr>
+            <a:r>
+              <a:rPr lang="en-US" b="0" i="0" dirty="0">
+                <a:solidFill>
+                  <a:srgbClr val="515151"/>
+                </a:solidFill>
+                <a:effectLst/>
+                <a:latin typeface="PT Serif" panose="020A0603040505020204" pitchFamily="18" charset="77"/>
+              </a:rPr>
+              <a:t>a </a:t>
+            </a:r>
+            <a:r>
+              <a:rPr lang="en-US" b="1" i="0" dirty="0">
+                <a:solidFill>
+                  <a:srgbClr val="303030"/>
+                </a:solidFill>
+                <a:effectLst/>
+                <a:latin typeface="PT Serif" panose="020A0603040505020204" pitchFamily="18" charset="77"/>
+              </a:rPr>
+              <a:t>statistical transformation</a:t>
+            </a:r>
+            <a:r>
+              <a:rPr lang="en-US" b="0" i="0" dirty="0">
+                <a:solidFill>
+                  <a:srgbClr val="515151"/>
+                </a:solidFill>
+                <a:effectLst/>
+                <a:latin typeface="PT Serif" panose="020A0603040505020204" pitchFamily="18" charset="77"/>
+              </a:rPr>
+              <a:t> used to calculate the data values used in the plot</a:t>
+            </a:r>
+          </a:p>
+          <a:p>
+            <a:pPr algn="l">
+              <a:buFont typeface="Arial" panose="020B0604020202020204" pitchFamily="34" charset="0"/>
+              <a:buChar char="•"/>
+            </a:pPr>
+            <a:r>
+              <a:rPr lang="en-US" b="0" i="0" dirty="0">
+                <a:solidFill>
+                  <a:srgbClr val="515151"/>
+                </a:solidFill>
+                <a:effectLst/>
+                <a:latin typeface="PT Serif" panose="020A0603040505020204" pitchFamily="18" charset="77"/>
+              </a:rPr>
+              <a:t>a </a:t>
+            </a:r>
+            <a:r>
+              <a:rPr lang="en-US" b="1" i="0" dirty="0">
+                <a:solidFill>
+                  <a:srgbClr val="303030"/>
+                </a:solidFill>
+                <a:effectLst/>
+                <a:latin typeface="PT Serif" panose="020A0603040505020204" pitchFamily="18" charset="77"/>
+              </a:rPr>
+              <a:t>position adjustment</a:t>
+            </a:r>
+            <a:r>
+              <a:rPr lang="en-US" b="0" i="0" dirty="0">
+                <a:solidFill>
+                  <a:srgbClr val="515151"/>
+                </a:solidFill>
+                <a:effectLst/>
+                <a:latin typeface="PT Serif" panose="020A0603040505020204" pitchFamily="18" charset="77"/>
+              </a:rPr>
+              <a:t> for locating each geometric object on the plot</a:t>
+            </a:r>
+          </a:p>
+          <a:p>
+            <a:pPr algn="l">
+              <a:buFont typeface="Arial" panose="020B0604020202020204" pitchFamily="34" charset="0"/>
+              <a:buChar char="•"/>
+            </a:pPr>
+            <a:r>
+              <a:rPr lang="en-US" b="0" i="0" dirty="0">
+                <a:solidFill>
+                  <a:srgbClr val="515151"/>
+                </a:solidFill>
+                <a:effectLst/>
+                <a:latin typeface="PT Serif" panose="020A0603040505020204" pitchFamily="18" charset="77"/>
+              </a:rPr>
+              <a:t>a </a:t>
+            </a:r>
+            <a:r>
+              <a:rPr lang="en-US" b="1" i="0" dirty="0">
+                <a:solidFill>
+                  <a:srgbClr val="303030"/>
+                </a:solidFill>
+                <a:effectLst/>
+                <a:latin typeface="PT Serif" panose="020A0603040505020204" pitchFamily="18" charset="77"/>
+              </a:rPr>
+              <a:t>scale</a:t>
+            </a:r>
+            <a:r>
+              <a:rPr lang="en-US" b="0" i="0" dirty="0">
+                <a:solidFill>
+                  <a:srgbClr val="515151"/>
+                </a:solidFill>
+                <a:effectLst/>
+                <a:latin typeface="PT Serif" panose="020A0603040505020204" pitchFamily="18" charset="77"/>
+              </a:rPr>
+              <a:t> (e.g., range of values) for each aesthetic mapping used</a:t>
+            </a:r>
+          </a:p>
+          <a:p>
+            <a:pPr algn="l">
+              <a:buFont typeface="Arial" panose="020B0604020202020204" pitchFamily="34" charset="0"/>
+              <a:buChar char="•"/>
+            </a:pPr>
+            <a:r>
+              <a:rPr lang="en-US" b="0" i="0" dirty="0">
+                <a:solidFill>
+                  <a:srgbClr val="515151"/>
+                </a:solidFill>
+                <a:effectLst/>
+                <a:latin typeface="PT Serif" panose="020A0603040505020204" pitchFamily="18" charset="77"/>
+              </a:rPr>
+              <a:t>a </a:t>
+            </a:r>
+            <a:r>
+              <a:rPr lang="en-US" b="1" i="0" dirty="0">
+                <a:solidFill>
+                  <a:srgbClr val="303030"/>
+                </a:solidFill>
+                <a:effectLst/>
+                <a:latin typeface="PT Serif" panose="020A0603040505020204" pitchFamily="18" charset="77"/>
+              </a:rPr>
+              <a:t>coordinate system</a:t>
+            </a:r>
+            <a:r>
+              <a:rPr lang="en-US" b="0" i="0" dirty="0">
+                <a:solidFill>
+                  <a:srgbClr val="515151"/>
+                </a:solidFill>
+                <a:effectLst/>
+                <a:latin typeface="PT Serif" panose="020A0603040505020204" pitchFamily="18" charset="77"/>
+              </a:rPr>
+              <a:t> used to organize the geometric objects</a:t>
+            </a:r>
+          </a:p>
+          <a:p>
+            <a:pPr algn="l">
+              <a:buFont typeface="Arial" panose="020B0604020202020204" pitchFamily="34" charset="0"/>
+              <a:buChar char="•"/>
+            </a:pPr>
+            <a:r>
+              <a:rPr lang="en-US" b="0" i="0" dirty="0">
+                <a:solidFill>
+                  <a:srgbClr val="515151"/>
+                </a:solidFill>
+                <a:effectLst/>
+                <a:latin typeface="PT Serif" panose="020A0603040505020204" pitchFamily="18" charset="77"/>
+              </a:rPr>
+              <a:t>the </a:t>
+            </a:r>
+            <a:r>
+              <a:rPr lang="en-US" b="1" i="0" dirty="0">
+                <a:solidFill>
+                  <a:srgbClr val="303030"/>
+                </a:solidFill>
+                <a:effectLst/>
+                <a:latin typeface="PT Serif" panose="020A0603040505020204" pitchFamily="18" charset="77"/>
+              </a:rPr>
+              <a:t>facets</a:t>
+            </a:r>
+            <a:r>
+              <a:rPr lang="en-US" b="0" i="0" dirty="0">
+                <a:solidFill>
+                  <a:srgbClr val="515151"/>
+                </a:solidFill>
+                <a:effectLst/>
+                <a:latin typeface="PT Serif" panose="020A0603040505020204" pitchFamily="18" charset="77"/>
+              </a:rPr>
+              <a:t> or groups of data shown in different plots</a:t>
+            </a:r>
+          </a:p>
+        </p:txBody>
+      </p:sp>
+      <p:sp>
+        <p:nvSpPr>
+          <p:cNvPr id="5" name="TextBox 4">
+            <a:extLst>
+              <a:ext uri="{FF2B5EF4-FFF2-40B4-BE49-F238E27FC236}">
+                <a16:creationId xmlns:a16="http://schemas.microsoft.com/office/drawing/2014/main" id="{4776D3FF-0BD2-E04F-7868-4A8A92325F68}"/>
+              </a:ext>
+            </a:extLst>
+          </p:cNvPr>
+          <p:cNvSpPr txBox="1"/>
+          <p:nvPr/>
+        </p:nvSpPr>
+        <p:spPr>
+          <a:xfrm>
+            <a:off x="484910" y="5992297"/>
+            <a:ext cx="6096000" cy="369332"/>
+          </a:xfrm>
+          <a:prstGeom prst="rect">
+            <a:avLst/>
+          </a:prstGeom>
+          <a:noFill/>
+        </p:spPr>
+        <p:txBody>
+          <a:bodyPr wrap="square">
+            <a:spAutoFit/>
+          </a:bodyPr>
+          <a:lstStyle/>
+          <a:p>
+            <a:r>
+              <a:rPr lang="en-US" dirty="0">
+                <a:solidFill>
+                  <a:schemeClr val="tx1">
+                    <a:lumMod val="50000"/>
+                    <a:lumOff val="50000"/>
+                  </a:schemeClr>
+                </a:solidFill>
+              </a:rPr>
+              <a:t>Source: https://</a:t>
+            </a:r>
+            <a:r>
+              <a:rPr lang="en-US" dirty="0" err="1">
+                <a:solidFill>
+                  <a:schemeClr val="tx1">
+                    <a:lumMod val="50000"/>
+                    <a:lumOff val="50000"/>
+                  </a:schemeClr>
+                </a:solidFill>
+              </a:rPr>
+              <a:t>uc-r.github.io</a:t>
+            </a:r>
+            <a:r>
+              <a:rPr lang="en-US" dirty="0">
+                <a:solidFill>
+                  <a:schemeClr val="tx1">
+                    <a:lumMod val="50000"/>
+                    <a:lumOff val="50000"/>
+                  </a:schemeClr>
+                </a:solidFill>
+              </a:rPr>
+              <a:t>/</a:t>
+            </a:r>
+            <a:r>
+              <a:rPr lang="en-US" dirty="0" err="1">
+                <a:solidFill>
+                  <a:schemeClr val="tx1">
+                    <a:lumMod val="50000"/>
+                    <a:lumOff val="50000"/>
+                  </a:schemeClr>
+                </a:solidFill>
+              </a:rPr>
+              <a:t>ggplot_intro</a:t>
+            </a:r>
+            <a:endParaRPr lang="en-US" dirty="0">
+              <a:solidFill>
+                <a:schemeClr val="tx1">
+                  <a:lumMod val="50000"/>
+                  <a:lumOff val="50000"/>
+                </a:schemeClr>
+              </a:solidFill>
+            </a:endParaRPr>
+          </a:p>
+        </p:txBody>
+      </p:sp>
+    </p:spTree>
+    <p:extLst>
+      <p:ext uri="{BB962C8B-B14F-4D97-AF65-F5344CB8AC3E}">
+        <p14:creationId xmlns:p14="http://schemas.microsoft.com/office/powerpoint/2010/main" val="1330319643"/>
+      </p:ext>
+    </p:extLst>
+  </p:cSld>
+  <p:clrMapOvr>
+    <a:masterClrMapping/>
+  </p:clrMapOvr>
+</p:sld>
+</file>
+
+<file path=ppt/slides/slide52.xml><?xml version="1.0" encoding="utf-8"?>
+<p:sld xmlns:a="http://schemas.openxmlformats.org/drawingml/2006/main" xmlns:r="http://schemas.openxmlformats.org/officeDocument/2006/relationships" xmlns:p="http://schemas.openxmlformats.org/presentationml/2006/main">
+  <p:cSld>
+    <p:spTree>
+      <p:nvGrpSpPr>
+        <p:cNvPr id="1" name=""/>
+        <p:cNvGrpSpPr/>
+        <p:nvPr/>
+      </p:nvGrpSpPr>
+      <p:grpSpPr>
+        <a:xfrm>
+          <a:off x="0" y="0"/>
+          <a:ext cx="0" cy="0"/>
+          <a:chOff x="0" y="0"/>
+          <a:chExt cx="0" cy="0"/>
+        </a:xfrm>
+      </p:grpSpPr>
+      <p:sp>
+        <p:nvSpPr>
+          <p:cNvPr id="2" name="Title 1">
+            <a:extLst>
+              <a:ext uri="{FF2B5EF4-FFF2-40B4-BE49-F238E27FC236}">
+                <a16:creationId xmlns:a16="http://schemas.microsoft.com/office/drawing/2014/main" id="{3A0A695E-615B-7874-F215-AE3AEAF6FFB8}"/>
+              </a:ext>
+            </a:extLst>
+          </p:cNvPr>
+          <p:cNvSpPr>
+            <a:spLocks noGrp="1"/>
+          </p:cNvSpPr>
+          <p:nvPr>
+            <p:ph type="title"/>
+          </p:nvPr>
+        </p:nvSpPr>
+        <p:spPr/>
+        <p:txBody>
+          <a:bodyPr/>
+          <a:lstStyle/>
+          <a:p>
+            <a:endParaRPr lang="en-US"/>
+          </a:p>
+        </p:txBody>
+      </p:sp>
+      <p:sp>
+        <p:nvSpPr>
+          <p:cNvPr id="3" name="Content Placeholder 2">
+            <a:extLst>
+              <a:ext uri="{FF2B5EF4-FFF2-40B4-BE49-F238E27FC236}">
+                <a16:creationId xmlns:a16="http://schemas.microsoft.com/office/drawing/2014/main" id="{F08DBF22-A802-DC2C-ED58-A753ED94C50D}"/>
+              </a:ext>
+            </a:extLst>
+          </p:cNvPr>
+          <p:cNvSpPr>
+            <a:spLocks noGrp="1"/>
+          </p:cNvSpPr>
+          <p:nvPr>
+            <p:ph idx="1"/>
+          </p:nvPr>
+        </p:nvSpPr>
+        <p:spPr/>
+        <p:txBody>
+          <a:bodyPr/>
+          <a:lstStyle/>
+          <a:p>
+            <a:endParaRPr lang="en-US"/>
+          </a:p>
+        </p:txBody>
+      </p:sp>
+      <p:pic>
+        <p:nvPicPr>
+          <p:cNvPr id="4" name="Picture 3">
+            <a:extLst>
+              <a:ext uri="{FF2B5EF4-FFF2-40B4-BE49-F238E27FC236}">
+                <a16:creationId xmlns:a16="http://schemas.microsoft.com/office/drawing/2014/main" id="{A9B46DFB-1E6A-A04A-A246-13932208E8AB}"/>
+              </a:ext>
+            </a:extLst>
+          </p:cNvPr>
+          <p:cNvPicPr>
+            <a:picLocks noChangeAspect="1"/>
+          </p:cNvPicPr>
+          <p:nvPr/>
+        </p:nvPicPr>
+        <p:blipFill>
+          <a:blip r:embed="rId2"/>
+          <a:stretch>
+            <a:fillRect/>
+          </a:stretch>
+        </p:blipFill>
+        <p:spPr>
+          <a:xfrm>
+            <a:off x="2209800" y="674754"/>
+            <a:ext cx="7772400" cy="5508492"/>
+          </a:xfrm>
+          <a:prstGeom prst="rect">
+            <a:avLst/>
+          </a:prstGeom>
+        </p:spPr>
+      </p:pic>
+      <p:sp>
+        <p:nvSpPr>
+          <p:cNvPr id="5" name="TextBox 4">
+            <a:extLst>
+              <a:ext uri="{FF2B5EF4-FFF2-40B4-BE49-F238E27FC236}">
+                <a16:creationId xmlns:a16="http://schemas.microsoft.com/office/drawing/2014/main" id="{7D5BA7CC-8721-41C7-31FC-E93B0208CC34}"/>
+              </a:ext>
+            </a:extLst>
+          </p:cNvPr>
+          <p:cNvSpPr txBox="1"/>
+          <p:nvPr/>
+        </p:nvSpPr>
+        <p:spPr>
+          <a:xfrm>
+            <a:off x="415637" y="6311900"/>
+            <a:ext cx="6096000" cy="369332"/>
+          </a:xfrm>
+          <a:prstGeom prst="rect">
+            <a:avLst/>
+          </a:prstGeom>
+          <a:noFill/>
+        </p:spPr>
+        <p:txBody>
+          <a:bodyPr wrap="square">
+            <a:spAutoFit/>
+          </a:bodyPr>
+          <a:lstStyle/>
+          <a:p>
+            <a:r>
+              <a:rPr lang="en-US" dirty="0">
+                <a:solidFill>
+                  <a:schemeClr val="tx1">
+                    <a:lumMod val="50000"/>
+                    <a:lumOff val="50000"/>
+                  </a:schemeClr>
+                </a:solidFill>
+              </a:rPr>
+              <a:t>Source: https://</a:t>
+            </a:r>
+            <a:r>
+              <a:rPr lang="en-US" dirty="0" err="1">
+                <a:solidFill>
+                  <a:schemeClr val="tx1">
+                    <a:lumMod val="50000"/>
+                    <a:lumOff val="50000"/>
+                  </a:schemeClr>
+                </a:solidFill>
+              </a:rPr>
+              <a:t>uc-r.github.io</a:t>
+            </a:r>
+            <a:r>
+              <a:rPr lang="en-US" dirty="0">
+                <a:solidFill>
+                  <a:schemeClr val="tx1">
+                    <a:lumMod val="50000"/>
+                    <a:lumOff val="50000"/>
+                  </a:schemeClr>
+                </a:solidFill>
+              </a:rPr>
+              <a:t>/</a:t>
+            </a:r>
+            <a:r>
+              <a:rPr lang="en-US" dirty="0" err="1">
+                <a:solidFill>
+                  <a:schemeClr val="tx1">
+                    <a:lumMod val="50000"/>
+                    <a:lumOff val="50000"/>
+                  </a:schemeClr>
+                </a:solidFill>
+              </a:rPr>
+              <a:t>ggplot_intro</a:t>
+            </a:r>
+            <a:endParaRPr lang="en-US" dirty="0">
+              <a:solidFill>
+                <a:schemeClr val="tx1">
+                  <a:lumMod val="50000"/>
+                  <a:lumOff val="50000"/>
+                </a:schemeClr>
+              </a:solidFill>
+            </a:endParaRPr>
+          </a:p>
+        </p:txBody>
+      </p:sp>
+    </p:spTree>
+    <p:extLst>
+      <p:ext uri="{BB962C8B-B14F-4D97-AF65-F5344CB8AC3E}">
+        <p14:creationId xmlns:p14="http://schemas.microsoft.com/office/powerpoint/2010/main" val="2729179486"/>
       </p:ext>
     </p:extLst>
   </p:cSld>
